--- a/src/Samples/PlanSelection/RT.Assistant/docs/docs.pptx
+++ b/src/Samples/PlanSelection/RT.Assistant/docs/docs.pptx
@@ -3320,7 +3320,7 @@
           </a:ln>
           <a:extLst>
             <a:ext uri="{C572A759-6A51-4108-AA02-DFA0A04FC94B}">
-              <ma14:wrappingTextBoxFlag xmlns:ma14="http://schemas.microsoft.com/office/mac/drawingml/2011/main" xmlns:a14="http://schemas.microsoft.com/office/drawing/2010/main" xmlns:m="http://schemas.openxmlformats.org/officeDocument/2006/math" xmlns="" val="1"/>
+              <ma14:wrappingTextBoxFlag xmlns="" xmlns:m="http://schemas.openxmlformats.org/officeDocument/2006/math" xmlns:a14="http://schemas.microsoft.com/office/drawing/2010/main" xmlns:ma14="http://schemas.microsoft.com/office/mac/drawingml/2011/main" val="1"/>
             </a:ext>
           </a:extLst>
         </p:spPr>
@@ -3359,7 +3359,7 @@
           </a:ln>
           <a:extLst>
             <a:ext uri="{C572A759-6A51-4108-AA02-DFA0A04FC94B}">
-              <ma14:wrappingTextBoxFlag xmlns:ma14="http://schemas.microsoft.com/office/mac/drawingml/2011/main" xmlns:a14="http://schemas.microsoft.com/office/drawing/2010/main" xmlns:m="http://schemas.openxmlformats.org/officeDocument/2006/math" xmlns="" val="1"/>
+              <ma14:wrappingTextBoxFlag xmlns="" xmlns:m="http://schemas.openxmlformats.org/officeDocument/2006/math" xmlns:a14="http://schemas.microsoft.com/office/drawing/2010/main" xmlns:ma14="http://schemas.microsoft.com/office/mac/drawingml/2011/main" val="1"/>
             </a:ext>
           </a:extLst>
         </p:spPr>
@@ -4175,6 +4175,17 @@
 <file path=ppt/slides/slide1.xml><?xml version="1.0" encoding="utf-8"?>
 <p:sld xmlns:a="http://schemas.openxmlformats.org/drawingml/2006/main" xmlns:r="http://schemas.openxmlformats.org/officeDocument/2006/relationships" xmlns:p="http://schemas.openxmlformats.org/presentationml/2006/main">
   <p:cSld>
+    <p:bg>
+      <p:bgPr>
+        <a:solidFill>
+          <a:schemeClr val="accent4">
+            <a:lumMod val="60000"/>
+            <a:lumOff val="40000"/>
+          </a:schemeClr>
+        </a:solidFill>
+        <a:effectLst/>
+      </p:bgPr>
+    </p:bg>
     <p:spTree>
       <p:nvGrpSpPr>
         <p:cNvPr id="1" name=""/>
@@ -4216,7 +4227,7 @@
           </a:ln>
           <a:extLst>
             <a:ext uri="{C572A759-6A51-4108-AA02-DFA0A04FC94B}">
-              <ma14:wrappingTextBoxFlag xmlns:ma14="http://schemas.microsoft.com/office/mac/drawingml/2011/main" xmlns:a14="http://schemas.microsoft.com/office/drawing/2010/main" xmlns:m="http://schemas.openxmlformats.org/officeDocument/2006/math" xmlns="" val="1"/>
+              <ma14:wrappingTextBoxFlag xmlns="" xmlns:m="http://schemas.openxmlformats.org/officeDocument/2006/math" xmlns:a14="http://schemas.microsoft.com/office/drawing/2010/main" xmlns:ma14="http://schemas.microsoft.com/office/mac/drawingml/2011/main" val="1"/>
             </a:ext>
           </a:extLst>
         </p:spPr>
@@ -4333,7 +4344,7 @@
           </a:ln>
           <a:extLst>
             <a:ext uri="{C572A759-6A51-4108-AA02-DFA0A04FC94B}">
-              <ma14:wrappingTextBoxFlag xmlns:ma14="http://schemas.microsoft.com/office/mac/drawingml/2011/main" xmlns:a14="http://schemas.microsoft.com/office/drawing/2010/main" xmlns:m="http://schemas.openxmlformats.org/officeDocument/2006/math" xmlns="" val="1"/>
+              <ma14:wrappingTextBoxFlag xmlns="" xmlns:m="http://schemas.openxmlformats.org/officeDocument/2006/math" xmlns:a14="http://schemas.microsoft.com/office/drawing/2010/main" xmlns:ma14="http://schemas.microsoft.com/office/mac/drawingml/2011/main" val="1"/>
             </a:ext>
           </a:extLst>
         </p:spPr>
@@ -4389,7 +4400,7 @@
           </a:ln>
           <a:extLst>
             <a:ext uri="{C572A759-6A51-4108-AA02-DFA0A04FC94B}">
-              <ma14:wrappingTextBoxFlag xmlns:ma14="http://schemas.microsoft.com/office/mac/drawingml/2011/main" xmlns:a14="http://schemas.microsoft.com/office/drawing/2010/main" xmlns:m="http://schemas.openxmlformats.org/officeDocument/2006/math" xmlns="" val="1"/>
+              <ma14:wrappingTextBoxFlag xmlns="" xmlns:m="http://schemas.openxmlformats.org/officeDocument/2006/math" xmlns:a14="http://schemas.microsoft.com/office/drawing/2010/main" xmlns:ma14="http://schemas.microsoft.com/office/mac/drawingml/2011/main" val="1"/>
             </a:ext>
           </a:extLst>
         </p:spPr>
@@ -4445,7 +4456,7 @@
           </a:ln>
           <a:extLst>
             <a:ext uri="{C572A759-6A51-4108-AA02-DFA0A04FC94B}">
-              <ma14:wrappingTextBoxFlag xmlns:ma14="http://schemas.microsoft.com/office/mac/drawingml/2011/main" xmlns:a14="http://schemas.microsoft.com/office/drawing/2010/main" xmlns:m="http://schemas.openxmlformats.org/officeDocument/2006/math" xmlns="" val="1"/>
+              <ma14:wrappingTextBoxFlag xmlns="" xmlns:m="http://schemas.openxmlformats.org/officeDocument/2006/math" xmlns:a14="http://schemas.microsoft.com/office/drawing/2010/main" xmlns:ma14="http://schemas.microsoft.com/office/mac/drawingml/2011/main" val="1"/>
             </a:ext>
           </a:extLst>
         </p:spPr>
@@ -4493,7 +4504,7 @@
           </a:ln>
           <a:extLst>
             <a:ext uri="{C572A759-6A51-4108-AA02-DFA0A04FC94B}">
-              <ma14:wrappingTextBoxFlag xmlns:ma14="http://schemas.microsoft.com/office/mac/drawingml/2011/main" xmlns:a14="http://schemas.microsoft.com/office/drawing/2010/main" xmlns:m="http://schemas.openxmlformats.org/officeDocument/2006/math" xmlns="" val="1"/>
+              <ma14:wrappingTextBoxFlag xmlns="" xmlns:m="http://schemas.openxmlformats.org/officeDocument/2006/math" xmlns:a14="http://schemas.microsoft.com/office/drawing/2010/main" xmlns:ma14="http://schemas.microsoft.com/office/mac/drawingml/2011/main" val="1"/>
             </a:ext>
           </a:extLst>
         </p:spPr>
@@ -4528,7 +4539,7 @@
           </a:ln>
           <a:extLst>
             <a:ext uri="{C572A759-6A51-4108-AA02-DFA0A04FC94B}">
-              <ma14:wrappingTextBoxFlag xmlns:ma14="http://schemas.microsoft.com/office/mac/drawingml/2011/main" xmlns:a14="http://schemas.microsoft.com/office/drawing/2010/main" xmlns:m="http://schemas.openxmlformats.org/officeDocument/2006/math" xmlns="" val="1"/>
+              <ma14:wrappingTextBoxFlag xmlns="" xmlns:m="http://schemas.openxmlformats.org/officeDocument/2006/math" xmlns:a14="http://schemas.microsoft.com/office/drawing/2010/main" xmlns:ma14="http://schemas.microsoft.com/office/mac/drawingml/2011/main" val="1"/>
             </a:ext>
           </a:extLst>
         </p:spPr>
@@ -4567,7 +4578,7 @@
           </a:ln>
           <a:extLst>
             <a:ext uri="{C572A759-6A51-4108-AA02-DFA0A04FC94B}">
-              <ma14:wrappingTextBoxFlag xmlns:ma14="http://schemas.microsoft.com/office/mac/drawingml/2011/main" xmlns:a14="http://schemas.microsoft.com/office/drawing/2010/main" xmlns:m="http://schemas.openxmlformats.org/officeDocument/2006/math" xmlns="" val="1"/>
+              <ma14:wrappingTextBoxFlag xmlns="" xmlns:m="http://schemas.openxmlformats.org/officeDocument/2006/math" xmlns:a14="http://schemas.microsoft.com/office/drawing/2010/main" xmlns:ma14="http://schemas.microsoft.com/office/mac/drawingml/2011/main" val="1"/>
             </a:ext>
           </a:extLst>
         </p:spPr>
@@ -4885,7 +4896,7 @@
           </a:ln>
           <a:extLst>
             <a:ext uri="{C572A759-6A51-4108-AA02-DFA0A04FC94B}">
-              <ma14:wrappingTextBoxFlag xmlns:ma14="http://schemas.microsoft.com/office/mac/drawingml/2011/main" xmlns:a14="http://schemas.microsoft.com/office/drawing/2010/main" xmlns:m="http://schemas.openxmlformats.org/officeDocument/2006/math" xmlns="" val="1"/>
+              <ma14:wrappingTextBoxFlag xmlns="" xmlns:m="http://schemas.openxmlformats.org/officeDocument/2006/math" xmlns:a14="http://schemas.microsoft.com/office/drawing/2010/main" xmlns:ma14="http://schemas.microsoft.com/office/mac/drawingml/2011/main" val="1"/>
             </a:ext>
           </a:extLst>
         </p:spPr>
@@ -4955,7 +4966,7 @@
           </a:ln>
           <a:extLst>
             <a:ext uri="{C572A759-6A51-4108-AA02-DFA0A04FC94B}">
-              <ma14:wrappingTextBoxFlag xmlns:ma14="http://schemas.microsoft.com/office/mac/drawingml/2011/main" xmlns:a14="http://schemas.microsoft.com/office/drawing/2010/main" xmlns:m="http://schemas.openxmlformats.org/officeDocument/2006/math" xmlns="" val="1"/>
+              <ma14:wrappingTextBoxFlag xmlns="" xmlns:m="http://schemas.openxmlformats.org/officeDocument/2006/math" xmlns:a14="http://schemas.microsoft.com/office/drawing/2010/main" xmlns:ma14="http://schemas.microsoft.com/office/mac/drawingml/2011/main" val="1"/>
             </a:ext>
           </a:extLst>
         </p:spPr>
@@ -4990,7 +5001,7 @@
           </a:ln>
           <a:extLst>
             <a:ext uri="{C572A759-6A51-4108-AA02-DFA0A04FC94B}">
-              <ma14:wrappingTextBoxFlag xmlns:ma14="http://schemas.microsoft.com/office/mac/drawingml/2011/main" xmlns:a14="http://schemas.microsoft.com/office/drawing/2010/main" xmlns:m="http://schemas.openxmlformats.org/officeDocument/2006/math" xmlns="" val="1"/>
+              <ma14:wrappingTextBoxFlag xmlns="" xmlns:m="http://schemas.openxmlformats.org/officeDocument/2006/math" xmlns:a14="http://schemas.microsoft.com/office/drawing/2010/main" xmlns:ma14="http://schemas.microsoft.com/office/mac/drawingml/2011/main" val="1"/>
             </a:ext>
           </a:extLst>
         </p:spPr>
@@ -5030,7 +5041,7 @@
           </a:ln>
           <a:extLst>
             <a:ext uri="{C572A759-6A51-4108-AA02-DFA0A04FC94B}">
-              <ma14:wrappingTextBoxFlag xmlns:ma14="http://schemas.microsoft.com/office/mac/drawingml/2011/main" xmlns:a14="http://schemas.microsoft.com/office/drawing/2010/main" xmlns:m="http://schemas.openxmlformats.org/officeDocument/2006/math" xmlns="" val="1"/>
+              <ma14:wrappingTextBoxFlag xmlns="" xmlns:m="http://schemas.openxmlformats.org/officeDocument/2006/math" xmlns:a14="http://schemas.microsoft.com/office/drawing/2010/main" xmlns:ma14="http://schemas.microsoft.com/office/mac/drawingml/2011/main" val="1"/>
             </a:ext>
           </a:extLst>
         </p:spPr>
@@ -5083,7 +5094,7 @@
           </a:ln>
           <a:extLst>
             <a:ext uri="{C572A759-6A51-4108-AA02-DFA0A04FC94B}">
-              <ma14:wrappingTextBoxFlag xmlns:ma14="http://schemas.microsoft.com/office/mac/drawingml/2011/main" xmlns:a14="http://schemas.microsoft.com/office/drawing/2010/main" xmlns:m="http://schemas.openxmlformats.org/officeDocument/2006/math" xmlns="" val="1"/>
+              <ma14:wrappingTextBoxFlag xmlns="" xmlns:m="http://schemas.openxmlformats.org/officeDocument/2006/math" xmlns:a14="http://schemas.microsoft.com/office/drawing/2010/main" xmlns:ma14="http://schemas.microsoft.com/office/mac/drawingml/2011/main" val="1"/>
             </a:ext>
           </a:extLst>
         </p:spPr>
@@ -6775,7 +6786,7 @@
           </a:ln>
           <a:extLst>
             <a:ext uri="{C572A759-6A51-4108-AA02-DFA0A04FC94B}">
-              <ma14:wrappingTextBoxFlag xmlns:ma14="http://schemas.microsoft.com/office/mac/drawingml/2011/main" xmlns:a14="http://schemas.microsoft.com/office/drawing/2010/main" xmlns:m="http://schemas.openxmlformats.org/officeDocument/2006/math" xmlns="" val="1"/>
+              <ma14:wrappingTextBoxFlag xmlns="" xmlns:m="http://schemas.openxmlformats.org/officeDocument/2006/math" xmlns:a14="http://schemas.microsoft.com/office/drawing/2010/main" xmlns:ma14="http://schemas.microsoft.com/office/mac/drawingml/2011/main" val="1"/>
             </a:ext>
           </a:extLst>
         </p:spPr>
@@ -6850,7 +6861,7 @@
           </a:ln>
           <a:extLst>
             <a:ext uri="{C572A759-6A51-4108-AA02-DFA0A04FC94B}">
-              <ma14:wrappingTextBoxFlag xmlns:ma14="http://schemas.microsoft.com/office/mac/drawingml/2011/main" xmlns:a14="http://schemas.microsoft.com/office/drawing/2010/main" xmlns:m="http://schemas.openxmlformats.org/officeDocument/2006/math" xmlns="" val="1"/>
+              <ma14:wrappingTextBoxFlag xmlns="" xmlns:m="http://schemas.openxmlformats.org/officeDocument/2006/math" xmlns:a14="http://schemas.microsoft.com/office/drawing/2010/main" xmlns:ma14="http://schemas.microsoft.com/office/mac/drawingml/2011/main" val="1"/>
             </a:ext>
           </a:extLst>
         </p:spPr>
@@ -6948,7 +6959,7 @@
           </a:ln>
           <a:extLst>
             <a:ext uri="{C572A759-6A51-4108-AA02-DFA0A04FC94B}">
-              <ma14:wrappingTextBoxFlag xmlns:ma14="http://schemas.microsoft.com/office/mac/drawingml/2011/main" xmlns:a14="http://schemas.microsoft.com/office/drawing/2010/main" xmlns:m="http://schemas.openxmlformats.org/officeDocument/2006/math" xmlns="" val="1"/>
+              <ma14:wrappingTextBoxFlag xmlns="" xmlns:m="http://schemas.openxmlformats.org/officeDocument/2006/math" xmlns:a14="http://schemas.microsoft.com/office/drawing/2010/main" xmlns:ma14="http://schemas.microsoft.com/office/mac/drawingml/2011/main" val="1"/>
             </a:ext>
           </a:extLst>
         </p:spPr>
@@ -6987,7 +6998,7 @@
           </a:ln>
           <a:extLst>
             <a:ext uri="{C572A759-6A51-4108-AA02-DFA0A04FC94B}">
-              <ma14:wrappingTextBoxFlag xmlns:ma14="http://schemas.microsoft.com/office/mac/drawingml/2011/main" xmlns:a14="http://schemas.microsoft.com/office/drawing/2010/main" xmlns:m="http://schemas.openxmlformats.org/officeDocument/2006/math" xmlns="" val="1"/>
+              <ma14:wrappingTextBoxFlag xmlns="" xmlns:m="http://schemas.openxmlformats.org/officeDocument/2006/math" xmlns:a14="http://schemas.microsoft.com/office/drawing/2010/main" xmlns:ma14="http://schemas.microsoft.com/office/mac/drawingml/2011/main" val="1"/>
             </a:ext>
           </a:extLst>
         </p:spPr>
@@ -7026,7 +7037,7 @@
           </a:ln>
           <a:extLst>
             <a:ext uri="{C572A759-6A51-4108-AA02-DFA0A04FC94B}">
-              <ma14:wrappingTextBoxFlag xmlns:ma14="http://schemas.microsoft.com/office/mac/drawingml/2011/main" xmlns:a14="http://schemas.microsoft.com/office/drawing/2010/main" xmlns:m="http://schemas.openxmlformats.org/officeDocument/2006/math" xmlns="" val="1"/>
+              <ma14:wrappingTextBoxFlag xmlns="" xmlns:m="http://schemas.openxmlformats.org/officeDocument/2006/math" xmlns:a14="http://schemas.microsoft.com/office/drawing/2010/main" xmlns:ma14="http://schemas.microsoft.com/office/mac/drawingml/2011/main" val="1"/>
             </a:ext>
           </a:extLst>
         </p:spPr>

--- a/src/Samples/PlanSelection/RT.Assistant/docs/docs.pptx
+++ b/src/Samples/PlanSelection/RT.Assistant/docs/docs.pptx
@@ -5,10 +5,11 @@
     <p:sldMasterId id="2147483648" r:id="rId1"/>
   </p:sldMasterIdLst>
   <p:notesMasterIdLst>
-    <p:notesMasterId r:id="rId3"/>
+    <p:notesMasterId r:id="rId4"/>
   </p:notesMasterIdLst>
   <p:sldIdLst>
     <p:sldId id="256" r:id="rId2"/>
+    <p:sldId id="257" r:id="rId3"/>
   </p:sldIdLst>
   <p:sldSz cx="24384000" cy="13716000"/>
   <p:notesSz cx="6858000" cy="9144000"/>
@@ -3320,7 +3321,7 @@
           </a:ln>
           <a:extLst>
             <a:ext uri="{C572A759-6A51-4108-AA02-DFA0A04FC94B}">
-              <ma14:wrappingTextBoxFlag xmlns="" xmlns:m="http://schemas.openxmlformats.org/officeDocument/2006/math" xmlns:a14="http://schemas.microsoft.com/office/drawing/2010/main" xmlns:ma14="http://schemas.microsoft.com/office/mac/drawingml/2011/main" val="1"/>
+              <ma14:wrappingTextBoxFlag xmlns:ma14="http://schemas.microsoft.com/office/mac/drawingml/2011/main" xmlns:a14="http://schemas.microsoft.com/office/drawing/2010/main" xmlns:m="http://schemas.openxmlformats.org/officeDocument/2006/math" xmlns="" val="1"/>
             </a:ext>
           </a:extLst>
         </p:spPr>
@@ -3359,7 +3360,7 @@
           </a:ln>
           <a:extLst>
             <a:ext uri="{C572A759-6A51-4108-AA02-DFA0A04FC94B}">
-              <ma14:wrappingTextBoxFlag xmlns="" xmlns:m="http://schemas.openxmlformats.org/officeDocument/2006/math" xmlns:a14="http://schemas.microsoft.com/office/drawing/2010/main" xmlns:ma14="http://schemas.microsoft.com/office/mac/drawingml/2011/main" val="1"/>
+              <ma14:wrappingTextBoxFlag xmlns:ma14="http://schemas.microsoft.com/office/mac/drawingml/2011/main" xmlns:a14="http://schemas.microsoft.com/office/drawing/2010/main" xmlns:m="http://schemas.openxmlformats.org/officeDocument/2006/math" xmlns="" val="1"/>
             </a:ext>
           </a:extLst>
         </p:spPr>
@@ -4227,7 +4228,7 @@
           </a:ln>
           <a:extLst>
             <a:ext uri="{C572A759-6A51-4108-AA02-DFA0A04FC94B}">
-              <ma14:wrappingTextBoxFlag xmlns="" xmlns:m="http://schemas.openxmlformats.org/officeDocument/2006/math" xmlns:a14="http://schemas.microsoft.com/office/drawing/2010/main" xmlns:ma14="http://schemas.microsoft.com/office/mac/drawingml/2011/main" val="1"/>
+              <ma14:wrappingTextBoxFlag xmlns:ma14="http://schemas.microsoft.com/office/mac/drawingml/2011/main" xmlns:a14="http://schemas.microsoft.com/office/drawing/2010/main" xmlns:m="http://schemas.openxmlformats.org/officeDocument/2006/math" xmlns="" val="1"/>
             </a:ext>
           </a:extLst>
         </p:spPr>
@@ -4344,7 +4345,7 @@
           </a:ln>
           <a:extLst>
             <a:ext uri="{C572A759-6A51-4108-AA02-DFA0A04FC94B}">
-              <ma14:wrappingTextBoxFlag xmlns="" xmlns:m="http://schemas.openxmlformats.org/officeDocument/2006/math" xmlns:a14="http://schemas.microsoft.com/office/drawing/2010/main" xmlns:ma14="http://schemas.microsoft.com/office/mac/drawingml/2011/main" val="1"/>
+              <ma14:wrappingTextBoxFlag xmlns:ma14="http://schemas.microsoft.com/office/mac/drawingml/2011/main" xmlns:a14="http://schemas.microsoft.com/office/drawing/2010/main" xmlns:m="http://schemas.openxmlformats.org/officeDocument/2006/math" xmlns="" val="1"/>
             </a:ext>
           </a:extLst>
         </p:spPr>
@@ -4400,7 +4401,7 @@
           </a:ln>
           <a:extLst>
             <a:ext uri="{C572A759-6A51-4108-AA02-DFA0A04FC94B}">
-              <ma14:wrappingTextBoxFlag xmlns="" xmlns:m="http://schemas.openxmlformats.org/officeDocument/2006/math" xmlns:a14="http://schemas.microsoft.com/office/drawing/2010/main" xmlns:ma14="http://schemas.microsoft.com/office/mac/drawingml/2011/main" val="1"/>
+              <ma14:wrappingTextBoxFlag xmlns:ma14="http://schemas.microsoft.com/office/mac/drawingml/2011/main" xmlns:a14="http://schemas.microsoft.com/office/drawing/2010/main" xmlns:m="http://schemas.openxmlformats.org/officeDocument/2006/math" xmlns="" val="1"/>
             </a:ext>
           </a:extLst>
         </p:spPr>
@@ -4456,7 +4457,7 @@
           </a:ln>
           <a:extLst>
             <a:ext uri="{C572A759-6A51-4108-AA02-DFA0A04FC94B}">
-              <ma14:wrappingTextBoxFlag xmlns="" xmlns:m="http://schemas.openxmlformats.org/officeDocument/2006/math" xmlns:a14="http://schemas.microsoft.com/office/drawing/2010/main" xmlns:ma14="http://schemas.microsoft.com/office/mac/drawingml/2011/main" val="1"/>
+              <ma14:wrappingTextBoxFlag xmlns:ma14="http://schemas.microsoft.com/office/mac/drawingml/2011/main" xmlns:a14="http://schemas.microsoft.com/office/drawing/2010/main" xmlns:m="http://schemas.openxmlformats.org/officeDocument/2006/math" xmlns="" val="1"/>
             </a:ext>
           </a:extLst>
         </p:spPr>
@@ -4504,7 +4505,7 @@
           </a:ln>
           <a:extLst>
             <a:ext uri="{C572A759-6A51-4108-AA02-DFA0A04FC94B}">
-              <ma14:wrappingTextBoxFlag xmlns="" xmlns:m="http://schemas.openxmlformats.org/officeDocument/2006/math" xmlns:a14="http://schemas.microsoft.com/office/drawing/2010/main" xmlns:ma14="http://schemas.microsoft.com/office/mac/drawingml/2011/main" val="1"/>
+              <ma14:wrappingTextBoxFlag xmlns:ma14="http://schemas.microsoft.com/office/mac/drawingml/2011/main" xmlns:a14="http://schemas.microsoft.com/office/drawing/2010/main" xmlns:m="http://schemas.openxmlformats.org/officeDocument/2006/math" xmlns="" val="1"/>
             </a:ext>
           </a:extLst>
         </p:spPr>
@@ -4539,7 +4540,7 @@
           </a:ln>
           <a:extLst>
             <a:ext uri="{C572A759-6A51-4108-AA02-DFA0A04FC94B}">
-              <ma14:wrappingTextBoxFlag xmlns="" xmlns:m="http://schemas.openxmlformats.org/officeDocument/2006/math" xmlns:a14="http://schemas.microsoft.com/office/drawing/2010/main" xmlns:ma14="http://schemas.microsoft.com/office/mac/drawingml/2011/main" val="1"/>
+              <ma14:wrappingTextBoxFlag xmlns:ma14="http://schemas.microsoft.com/office/mac/drawingml/2011/main" xmlns:a14="http://schemas.microsoft.com/office/drawing/2010/main" xmlns:m="http://schemas.openxmlformats.org/officeDocument/2006/math" xmlns="" val="1"/>
             </a:ext>
           </a:extLst>
         </p:spPr>
@@ -4578,7 +4579,7 @@
           </a:ln>
           <a:extLst>
             <a:ext uri="{C572A759-6A51-4108-AA02-DFA0A04FC94B}">
-              <ma14:wrappingTextBoxFlag xmlns="" xmlns:m="http://schemas.openxmlformats.org/officeDocument/2006/math" xmlns:a14="http://schemas.microsoft.com/office/drawing/2010/main" xmlns:ma14="http://schemas.microsoft.com/office/mac/drawingml/2011/main" val="1"/>
+              <ma14:wrappingTextBoxFlag xmlns:ma14="http://schemas.microsoft.com/office/mac/drawingml/2011/main" xmlns:a14="http://schemas.microsoft.com/office/drawing/2010/main" xmlns:m="http://schemas.openxmlformats.org/officeDocument/2006/math" xmlns="" val="1"/>
             </a:ext>
           </a:extLst>
         </p:spPr>
@@ -4896,7 +4897,7 @@
           </a:ln>
           <a:extLst>
             <a:ext uri="{C572A759-6A51-4108-AA02-DFA0A04FC94B}">
-              <ma14:wrappingTextBoxFlag xmlns="" xmlns:m="http://schemas.openxmlformats.org/officeDocument/2006/math" xmlns:a14="http://schemas.microsoft.com/office/drawing/2010/main" xmlns:ma14="http://schemas.microsoft.com/office/mac/drawingml/2011/main" val="1"/>
+              <ma14:wrappingTextBoxFlag xmlns:ma14="http://schemas.microsoft.com/office/mac/drawingml/2011/main" xmlns:a14="http://schemas.microsoft.com/office/drawing/2010/main" xmlns:m="http://schemas.openxmlformats.org/officeDocument/2006/math" xmlns="" val="1"/>
             </a:ext>
           </a:extLst>
         </p:spPr>
@@ -4966,7 +4967,7 @@
           </a:ln>
           <a:extLst>
             <a:ext uri="{C572A759-6A51-4108-AA02-DFA0A04FC94B}">
-              <ma14:wrappingTextBoxFlag xmlns="" xmlns:m="http://schemas.openxmlformats.org/officeDocument/2006/math" xmlns:a14="http://schemas.microsoft.com/office/drawing/2010/main" xmlns:ma14="http://schemas.microsoft.com/office/mac/drawingml/2011/main" val="1"/>
+              <ma14:wrappingTextBoxFlag xmlns:ma14="http://schemas.microsoft.com/office/mac/drawingml/2011/main" xmlns:a14="http://schemas.microsoft.com/office/drawing/2010/main" xmlns:m="http://schemas.openxmlformats.org/officeDocument/2006/math" xmlns="" val="1"/>
             </a:ext>
           </a:extLst>
         </p:spPr>
@@ -5001,7 +5002,7 @@
           </a:ln>
           <a:extLst>
             <a:ext uri="{C572A759-6A51-4108-AA02-DFA0A04FC94B}">
-              <ma14:wrappingTextBoxFlag xmlns="" xmlns:m="http://schemas.openxmlformats.org/officeDocument/2006/math" xmlns:a14="http://schemas.microsoft.com/office/drawing/2010/main" xmlns:ma14="http://schemas.microsoft.com/office/mac/drawingml/2011/main" val="1"/>
+              <ma14:wrappingTextBoxFlag xmlns:ma14="http://schemas.microsoft.com/office/mac/drawingml/2011/main" xmlns:a14="http://schemas.microsoft.com/office/drawing/2010/main" xmlns:m="http://schemas.openxmlformats.org/officeDocument/2006/math" xmlns="" val="1"/>
             </a:ext>
           </a:extLst>
         </p:spPr>
@@ -5041,7 +5042,7 @@
           </a:ln>
           <a:extLst>
             <a:ext uri="{C572A759-6A51-4108-AA02-DFA0A04FC94B}">
-              <ma14:wrappingTextBoxFlag xmlns="" xmlns:m="http://schemas.openxmlformats.org/officeDocument/2006/math" xmlns:a14="http://schemas.microsoft.com/office/drawing/2010/main" xmlns:ma14="http://schemas.microsoft.com/office/mac/drawingml/2011/main" val="1"/>
+              <ma14:wrappingTextBoxFlag xmlns:ma14="http://schemas.microsoft.com/office/mac/drawingml/2011/main" xmlns:a14="http://schemas.microsoft.com/office/drawing/2010/main" xmlns:m="http://schemas.openxmlformats.org/officeDocument/2006/math" xmlns="" val="1"/>
             </a:ext>
           </a:extLst>
         </p:spPr>
@@ -5094,7 +5095,7 @@
           </a:ln>
           <a:extLst>
             <a:ext uri="{C572A759-6A51-4108-AA02-DFA0A04FC94B}">
-              <ma14:wrappingTextBoxFlag xmlns="" xmlns:m="http://schemas.openxmlformats.org/officeDocument/2006/math" xmlns:a14="http://schemas.microsoft.com/office/drawing/2010/main" xmlns:ma14="http://schemas.microsoft.com/office/mac/drawingml/2011/main" val="1"/>
+              <ma14:wrappingTextBoxFlag xmlns:ma14="http://schemas.microsoft.com/office/mac/drawingml/2011/main" xmlns:a14="http://schemas.microsoft.com/office/drawing/2010/main" xmlns:m="http://schemas.openxmlformats.org/officeDocument/2006/math" xmlns="" val="1"/>
             </a:ext>
           </a:extLst>
         </p:spPr>
@@ -6786,7 +6787,7 @@
           </a:ln>
           <a:extLst>
             <a:ext uri="{C572A759-6A51-4108-AA02-DFA0A04FC94B}">
-              <ma14:wrappingTextBoxFlag xmlns="" xmlns:m="http://schemas.openxmlformats.org/officeDocument/2006/math" xmlns:a14="http://schemas.microsoft.com/office/drawing/2010/main" xmlns:ma14="http://schemas.microsoft.com/office/mac/drawingml/2011/main" val="1"/>
+              <ma14:wrappingTextBoxFlag xmlns:ma14="http://schemas.microsoft.com/office/mac/drawingml/2011/main" xmlns:a14="http://schemas.microsoft.com/office/drawing/2010/main" xmlns:m="http://schemas.openxmlformats.org/officeDocument/2006/math" xmlns="" val="1"/>
             </a:ext>
           </a:extLst>
         </p:spPr>
@@ -6861,7 +6862,7 @@
           </a:ln>
           <a:extLst>
             <a:ext uri="{C572A759-6A51-4108-AA02-DFA0A04FC94B}">
-              <ma14:wrappingTextBoxFlag xmlns="" xmlns:m="http://schemas.openxmlformats.org/officeDocument/2006/math" xmlns:a14="http://schemas.microsoft.com/office/drawing/2010/main" xmlns:ma14="http://schemas.microsoft.com/office/mac/drawingml/2011/main" val="1"/>
+              <ma14:wrappingTextBoxFlag xmlns:ma14="http://schemas.microsoft.com/office/mac/drawingml/2011/main" xmlns:a14="http://schemas.microsoft.com/office/drawing/2010/main" xmlns:m="http://schemas.openxmlformats.org/officeDocument/2006/math" xmlns="" val="1"/>
             </a:ext>
           </a:extLst>
         </p:spPr>
@@ -6959,7 +6960,7 @@
           </a:ln>
           <a:extLst>
             <a:ext uri="{C572A759-6A51-4108-AA02-DFA0A04FC94B}">
-              <ma14:wrappingTextBoxFlag xmlns="" xmlns:m="http://schemas.openxmlformats.org/officeDocument/2006/math" xmlns:a14="http://schemas.microsoft.com/office/drawing/2010/main" xmlns:ma14="http://schemas.microsoft.com/office/mac/drawingml/2011/main" val="1"/>
+              <ma14:wrappingTextBoxFlag xmlns:ma14="http://schemas.microsoft.com/office/mac/drawingml/2011/main" xmlns:a14="http://schemas.microsoft.com/office/drawing/2010/main" xmlns:m="http://schemas.openxmlformats.org/officeDocument/2006/math" xmlns="" val="1"/>
             </a:ext>
           </a:extLst>
         </p:spPr>
@@ -6998,7 +6999,7 @@
           </a:ln>
           <a:extLst>
             <a:ext uri="{C572A759-6A51-4108-AA02-DFA0A04FC94B}">
-              <ma14:wrappingTextBoxFlag xmlns="" xmlns:m="http://schemas.openxmlformats.org/officeDocument/2006/math" xmlns:a14="http://schemas.microsoft.com/office/drawing/2010/main" xmlns:ma14="http://schemas.microsoft.com/office/mac/drawingml/2011/main" val="1"/>
+              <ma14:wrappingTextBoxFlag xmlns:ma14="http://schemas.microsoft.com/office/mac/drawingml/2011/main" xmlns:a14="http://schemas.microsoft.com/office/drawing/2010/main" xmlns:m="http://schemas.openxmlformats.org/officeDocument/2006/math" xmlns="" val="1"/>
             </a:ext>
           </a:extLst>
         </p:spPr>
@@ -7037,7 +7038,7 @@
           </a:ln>
           <a:extLst>
             <a:ext uri="{C572A759-6A51-4108-AA02-DFA0A04FC94B}">
-              <ma14:wrappingTextBoxFlag xmlns="" xmlns:m="http://schemas.openxmlformats.org/officeDocument/2006/math" xmlns:a14="http://schemas.microsoft.com/office/drawing/2010/main" xmlns:ma14="http://schemas.microsoft.com/office/mac/drawingml/2011/main" val="1"/>
+              <ma14:wrappingTextBoxFlag xmlns:ma14="http://schemas.microsoft.com/office/mac/drawingml/2011/main" xmlns:a14="http://schemas.microsoft.com/office/drawing/2010/main" xmlns:m="http://schemas.openxmlformats.org/officeDocument/2006/math" xmlns="" val="1"/>
             </a:ext>
           </a:extLst>
         </p:spPr>
@@ -7069,6 +7070,139 @@
         </p:txBody>
       </p:sp>
     </p:spTree>
+  </p:cSld>
+  <p:clrMapOvr>
+    <a:masterClrMapping/>
+  </p:clrMapOvr>
+  <p:transition spd="med"/>
+</p:sld>
+</file>
+
+<file path=ppt/slides/slide2.xml><?xml version="1.0" encoding="utf-8"?>
+<p:sld xmlns:a="http://schemas.openxmlformats.org/drawingml/2006/main" xmlns:r="http://schemas.openxmlformats.org/officeDocument/2006/relationships" xmlns:p="http://schemas.openxmlformats.org/presentationml/2006/main">
+  <p:cSld>
+    <p:spTree>
+      <p:nvGrpSpPr>
+        <p:cNvPr id="1" name=""/>
+        <p:cNvGrpSpPr/>
+        <p:nvPr/>
+      </p:nvGrpSpPr>
+      <p:grpSpPr>
+        <a:xfrm>
+          <a:off x="0" y="0"/>
+          <a:ext cx="0" cy="0"/>
+          <a:chOff x="0" y="0"/>
+          <a:chExt cx="0" cy="0"/>
+        </a:xfrm>
+      </p:grpSpPr>
+      <p:pic>
+        <p:nvPicPr>
+          <p:cNvPr id="5" name="Picture 4">
+            <a:extLst>
+              <a:ext uri="{FF2B5EF4-FFF2-40B4-BE49-F238E27FC236}">
+                <a16:creationId xmlns:a16="http://schemas.microsoft.com/office/drawing/2014/main" id="{60ACE235-B878-9865-7239-3140A1169B7E}"/>
+              </a:ext>
+            </a:extLst>
+          </p:cNvPr>
+          <p:cNvPicPr>
+            <a:picLocks noChangeAspect="1"/>
+          </p:cNvPicPr>
+          <p:nvPr/>
+        </p:nvPicPr>
+        <p:blipFill>
+          <a:blip r:embed="rId2"/>
+          <a:stretch>
+            <a:fillRect/>
+          </a:stretch>
+        </p:blipFill>
+        <p:spPr>
+          <a:xfrm>
+            <a:off x="16906405" y="6764241"/>
+            <a:ext cx="6489700" cy="4648200"/>
+          </a:xfrm>
+          <a:prstGeom prst="rect">
+            <a:avLst/>
+          </a:prstGeom>
+        </p:spPr>
+      </p:pic>
+      <p:pic>
+        <p:nvPicPr>
+          <p:cNvPr id="9" name="Picture 8" descr="A screenshot of a computer&#10;&#10;AI-generated content may be incorrect.">
+            <a:extLst>
+              <a:ext uri="{FF2B5EF4-FFF2-40B4-BE49-F238E27FC236}">
+                <a16:creationId xmlns:a16="http://schemas.microsoft.com/office/drawing/2014/main" id="{15064993-F4F1-4B98-AFE8-D0CBEFCDF50E}"/>
+              </a:ext>
+            </a:extLst>
+          </p:cNvPr>
+          <p:cNvPicPr>
+            <a:picLocks noChangeAspect="1"/>
+          </p:cNvPicPr>
+          <p:nvPr/>
+        </p:nvPicPr>
+        <p:blipFill>
+          <a:blip r:embed="rId3">
+            <a:extLst>
+              <a:ext uri="{28A0092B-C50C-407E-A947-70E740481C1C}">
+                <a14:useLocalDpi xmlns:a14="http://schemas.microsoft.com/office/drawing/2010/main" val="0"/>
+              </a:ext>
+            </a:extLst>
+          </a:blip>
+          <a:stretch>
+            <a:fillRect/>
+          </a:stretch>
+        </p:blipFill>
+        <p:spPr>
+          <a:xfrm>
+            <a:off x="504561" y="457200"/>
+            <a:ext cx="3670300" cy="7952317"/>
+          </a:xfrm>
+          <a:prstGeom prst="rect">
+            <a:avLst/>
+          </a:prstGeom>
+        </p:spPr>
+      </p:pic>
+      <p:pic>
+        <p:nvPicPr>
+          <p:cNvPr id="11" name="Picture 10" descr="A screenshot of a computer&#10;&#10;AI-generated content may be incorrect.">
+            <a:extLst>
+              <a:ext uri="{FF2B5EF4-FFF2-40B4-BE49-F238E27FC236}">
+                <a16:creationId xmlns:a16="http://schemas.microsoft.com/office/drawing/2014/main" id="{A320814E-0A2C-9BC4-5E5F-84E24139AC68}"/>
+              </a:ext>
+            </a:extLst>
+          </p:cNvPr>
+          <p:cNvPicPr>
+            <a:picLocks noChangeAspect="1"/>
+          </p:cNvPicPr>
+          <p:nvPr/>
+        </p:nvPicPr>
+        <p:blipFill>
+          <a:blip r:embed="rId4">
+            <a:extLst>
+              <a:ext uri="{28A0092B-C50C-407E-A947-70E740481C1C}">
+                <a14:useLocalDpi xmlns:a14="http://schemas.microsoft.com/office/drawing/2010/main" val="0"/>
+              </a:ext>
+            </a:extLst>
+          </a:blip>
+          <a:stretch>
+            <a:fillRect/>
+          </a:stretch>
+        </p:blipFill>
+        <p:spPr>
+          <a:xfrm>
+            <a:off x="4573895" y="457199"/>
+            <a:ext cx="4559960" cy="7952317"/>
+          </a:xfrm>
+          <a:prstGeom prst="rect">
+            <a:avLst/>
+          </a:prstGeom>
+        </p:spPr>
+      </p:pic>
+    </p:spTree>
+    <p:extLst>
+      <p:ext uri="{BB962C8B-B14F-4D97-AF65-F5344CB8AC3E}">
+        <p14:creationId xmlns:p14="http://schemas.microsoft.com/office/powerpoint/2010/main" val="1917155894"/>
+      </p:ext>
+    </p:extLst>
   </p:cSld>
   <p:clrMapOvr>
     <a:masterClrMapping/>

--- a/src/Samples/PlanSelection/RT.Assistant/docs/docs.pptx
+++ b/src/Samples/PlanSelection/RT.Assistant/docs/docs.pptx
@@ -3321,7 +3321,7 @@
           </a:ln>
           <a:extLst>
             <a:ext uri="{C572A759-6A51-4108-AA02-DFA0A04FC94B}">
-              <ma14:wrappingTextBoxFlag xmlns:ma14="http://schemas.microsoft.com/office/mac/drawingml/2011/main" xmlns:a14="http://schemas.microsoft.com/office/drawing/2010/main" xmlns:m="http://schemas.openxmlformats.org/officeDocument/2006/math" xmlns="" val="1"/>
+              <ma14:wrappingTextBoxFlag xmlns="" xmlns:m="http://schemas.openxmlformats.org/officeDocument/2006/math" xmlns:a14="http://schemas.microsoft.com/office/drawing/2010/main" xmlns:ma14="http://schemas.microsoft.com/office/mac/drawingml/2011/main" val="1"/>
             </a:ext>
           </a:extLst>
         </p:spPr>
@@ -3360,7 +3360,7 @@
           </a:ln>
           <a:extLst>
             <a:ext uri="{C572A759-6A51-4108-AA02-DFA0A04FC94B}">
-              <ma14:wrappingTextBoxFlag xmlns:ma14="http://schemas.microsoft.com/office/mac/drawingml/2011/main" xmlns:a14="http://schemas.microsoft.com/office/drawing/2010/main" xmlns:m="http://schemas.openxmlformats.org/officeDocument/2006/math" xmlns="" val="1"/>
+              <ma14:wrappingTextBoxFlag xmlns="" xmlns:m="http://schemas.openxmlformats.org/officeDocument/2006/math" xmlns:a14="http://schemas.microsoft.com/office/drawing/2010/main" xmlns:ma14="http://schemas.microsoft.com/office/mac/drawingml/2011/main" val="1"/>
             </a:ext>
           </a:extLst>
         </p:spPr>
@@ -4228,7 +4228,7 @@
           </a:ln>
           <a:extLst>
             <a:ext uri="{C572A759-6A51-4108-AA02-DFA0A04FC94B}">
-              <ma14:wrappingTextBoxFlag xmlns:ma14="http://schemas.microsoft.com/office/mac/drawingml/2011/main" xmlns:a14="http://schemas.microsoft.com/office/drawing/2010/main" xmlns:m="http://schemas.openxmlformats.org/officeDocument/2006/math" xmlns="" val="1"/>
+              <ma14:wrappingTextBoxFlag xmlns="" xmlns:m="http://schemas.openxmlformats.org/officeDocument/2006/math" xmlns:a14="http://schemas.microsoft.com/office/drawing/2010/main" xmlns:ma14="http://schemas.microsoft.com/office/mac/drawingml/2011/main" val="1"/>
             </a:ext>
           </a:extLst>
         </p:spPr>
@@ -4345,7 +4345,7 @@
           </a:ln>
           <a:extLst>
             <a:ext uri="{C572A759-6A51-4108-AA02-DFA0A04FC94B}">
-              <ma14:wrappingTextBoxFlag xmlns:ma14="http://schemas.microsoft.com/office/mac/drawingml/2011/main" xmlns:a14="http://schemas.microsoft.com/office/drawing/2010/main" xmlns:m="http://schemas.openxmlformats.org/officeDocument/2006/math" xmlns="" val="1"/>
+              <ma14:wrappingTextBoxFlag xmlns="" xmlns:m="http://schemas.openxmlformats.org/officeDocument/2006/math" xmlns:a14="http://schemas.microsoft.com/office/drawing/2010/main" xmlns:ma14="http://schemas.microsoft.com/office/mac/drawingml/2011/main" val="1"/>
             </a:ext>
           </a:extLst>
         </p:spPr>
@@ -4401,7 +4401,7 @@
           </a:ln>
           <a:extLst>
             <a:ext uri="{C572A759-6A51-4108-AA02-DFA0A04FC94B}">
-              <ma14:wrappingTextBoxFlag xmlns:ma14="http://schemas.microsoft.com/office/mac/drawingml/2011/main" xmlns:a14="http://schemas.microsoft.com/office/drawing/2010/main" xmlns:m="http://schemas.openxmlformats.org/officeDocument/2006/math" xmlns="" val="1"/>
+              <ma14:wrappingTextBoxFlag xmlns="" xmlns:m="http://schemas.openxmlformats.org/officeDocument/2006/math" xmlns:a14="http://schemas.microsoft.com/office/drawing/2010/main" xmlns:ma14="http://schemas.microsoft.com/office/mac/drawingml/2011/main" val="1"/>
             </a:ext>
           </a:extLst>
         </p:spPr>
@@ -4457,7 +4457,7 @@
           </a:ln>
           <a:extLst>
             <a:ext uri="{C572A759-6A51-4108-AA02-DFA0A04FC94B}">
-              <ma14:wrappingTextBoxFlag xmlns:ma14="http://schemas.microsoft.com/office/mac/drawingml/2011/main" xmlns:a14="http://schemas.microsoft.com/office/drawing/2010/main" xmlns:m="http://schemas.openxmlformats.org/officeDocument/2006/math" xmlns="" val="1"/>
+              <ma14:wrappingTextBoxFlag xmlns="" xmlns:m="http://schemas.openxmlformats.org/officeDocument/2006/math" xmlns:a14="http://schemas.microsoft.com/office/drawing/2010/main" xmlns:ma14="http://schemas.microsoft.com/office/mac/drawingml/2011/main" val="1"/>
             </a:ext>
           </a:extLst>
         </p:spPr>
@@ -4505,7 +4505,7 @@
           </a:ln>
           <a:extLst>
             <a:ext uri="{C572A759-6A51-4108-AA02-DFA0A04FC94B}">
-              <ma14:wrappingTextBoxFlag xmlns:ma14="http://schemas.microsoft.com/office/mac/drawingml/2011/main" xmlns:a14="http://schemas.microsoft.com/office/drawing/2010/main" xmlns:m="http://schemas.openxmlformats.org/officeDocument/2006/math" xmlns="" val="1"/>
+              <ma14:wrappingTextBoxFlag xmlns="" xmlns:m="http://schemas.openxmlformats.org/officeDocument/2006/math" xmlns:a14="http://schemas.microsoft.com/office/drawing/2010/main" xmlns:ma14="http://schemas.microsoft.com/office/mac/drawingml/2011/main" val="1"/>
             </a:ext>
           </a:extLst>
         </p:spPr>
@@ -4540,7 +4540,7 @@
           </a:ln>
           <a:extLst>
             <a:ext uri="{C572A759-6A51-4108-AA02-DFA0A04FC94B}">
-              <ma14:wrappingTextBoxFlag xmlns:ma14="http://schemas.microsoft.com/office/mac/drawingml/2011/main" xmlns:a14="http://schemas.microsoft.com/office/drawing/2010/main" xmlns:m="http://schemas.openxmlformats.org/officeDocument/2006/math" xmlns="" val="1"/>
+              <ma14:wrappingTextBoxFlag xmlns="" xmlns:m="http://schemas.openxmlformats.org/officeDocument/2006/math" xmlns:a14="http://schemas.microsoft.com/office/drawing/2010/main" xmlns:ma14="http://schemas.microsoft.com/office/mac/drawingml/2011/main" val="1"/>
             </a:ext>
           </a:extLst>
         </p:spPr>
@@ -4579,7 +4579,7 @@
           </a:ln>
           <a:extLst>
             <a:ext uri="{C572A759-6A51-4108-AA02-DFA0A04FC94B}">
-              <ma14:wrappingTextBoxFlag xmlns:ma14="http://schemas.microsoft.com/office/mac/drawingml/2011/main" xmlns:a14="http://schemas.microsoft.com/office/drawing/2010/main" xmlns:m="http://schemas.openxmlformats.org/officeDocument/2006/math" xmlns="" val="1"/>
+              <ma14:wrappingTextBoxFlag xmlns="" xmlns:m="http://schemas.openxmlformats.org/officeDocument/2006/math" xmlns:a14="http://schemas.microsoft.com/office/drawing/2010/main" xmlns:ma14="http://schemas.microsoft.com/office/mac/drawingml/2011/main" val="1"/>
             </a:ext>
           </a:extLst>
         </p:spPr>
@@ -4897,7 +4897,7 @@
           </a:ln>
           <a:extLst>
             <a:ext uri="{C572A759-6A51-4108-AA02-DFA0A04FC94B}">
-              <ma14:wrappingTextBoxFlag xmlns:ma14="http://schemas.microsoft.com/office/mac/drawingml/2011/main" xmlns:a14="http://schemas.microsoft.com/office/drawing/2010/main" xmlns:m="http://schemas.openxmlformats.org/officeDocument/2006/math" xmlns="" val="1"/>
+              <ma14:wrappingTextBoxFlag xmlns="" xmlns:m="http://schemas.openxmlformats.org/officeDocument/2006/math" xmlns:a14="http://schemas.microsoft.com/office/drawing/2010/main" xmlns:ma14="http://schemas.microsoft.com/office/mac/drawingml/2011/main" val="1"/>
             </a:ext>
           </a:extLst>
         </p:spPr>
@@ -4967,7 +4967,7 @@
           </a:ln>
           <a:extLst>
             <a:ext uri="{C572A759-6A51-4108-AA02-DFA0A04FC94B}">
-              <ma14:wrappingTextBoxFlag xmlns:ma14="http://schemas.microsoft.com/office/mac/drawingml/2011/main" xmlns:a14="http://schemas.microsoft.com/office/drawing/2010/main" xmlns:m="http://schemas.openxmlformats.org/officeDocument/2006/math" xmlns="" val="1"/>
+              <ma14:wrappingTextBoxFlag xmlns="" xmlns:m="http://schemas.openxmlformats.org/officeDocument/2006/math" xmlns:a14="http://schemas.microsoft.com/office/drawing/2010/main" xmlns:ma14="http://schemas.microsoft.com/office/mac/drawingml/2011/main" val="1"/>
             </a:ext>
           </a:extLst>
         </p:spPr>
@@ -5002,7 +5002,7 @@
           </a:ln>
           <a:extLst>
             <a:ext uri="{C572A759-6A51-4108-AA02-DFA0A04FC94B}">
-              <ma14:wrappingTextBoxFlag xmlns:ma14="http://schemas.microsoft.com/office/mac/drawingml/2011/main" xmlns:a14="http://schemas.microsoft.com/office/drawing/2010/main" xmlns:m="http://schemas.openxmlformats.org/officeDocument/2006/math" xmlns="" val="1"/>
+              <ma14:wrappingTextBoxFlag xmlns="" xmlns:m="http://schemas.openxmlformats.org/officeDocument/2006/math" xmlns:a14="http://schemas.microsoft.com/office/drawing/2010/main" xmlns:ma14="http://schemas.microsoft.com/office/mac/drawingml/2011/main" val="1"/>
             </a:ext>
           </a:extLst>
         </p:spPr>
@@ -5042,7 +5042,7 @@
           </a:ln>
           <a:extLst>
             <a:ext uri="{C572A759-6A51-4108-AA02-DFA0A04FC94B}">
-              <ma14:wrappingTextBoxFlag xmlns:ma14="http://schemas.microsoft.com/office/mac/drawingml/2011/main" xmlns:a14="http://schemas.microsoft.com/office/drawing/2010/main" xmlns:m="http://schemas.openxmlformats.org/officeDocument/2006/math" xmlns="" val="1"/>
+              <ma14:wrappingTextBoxFlag xmlns="" xmlns:m="http://schemas.openxmlformats.org/officeDocument/2006/math" xmlns:a14="http://schemas.microsoft.com/office/drawing/2010/main" xmlns:ma14="http://schemas.microsoft.com/office/mac/drawingml/2011/main" val="1"/>
             </a:ext>
           </a:extLst>
         </p:spPr>
@@ -5095,7 +5095,7 @@
           </a:ln>
           <a:extLst>
             <a:ext uri="{C572A759-6A51-4108-AA02-DFA0A04FC94B}">
-              <ma14:wrappingTextBoxFlag xmlns:ma14="http://schemas.microsoft.com/office/mac/drawingml/2011/main" xmlns:a14="http://schemas.microsoft.com/office/drawing/2010/main" xmlns:m="http://schemas.openxmlformats.org/officeDocument/2006/math" xmlns="" val="1"/>
+              <ma14:wrappingTextBoxFlag xmlns="" xmlns:m="http://schemas.openxmlformats.org/officeDocument/2006/math" xmlns:a14="http://schemas.microsoft.com/office/drawing/2010/main" xmlns:ma14="http://schemas.microsoft.com/office/mac/drawingml/2011/main" val="1"/>
             </a:ext>
           </a:extLst>
         </p:spPr>
@@ -6787,7 +6787,7 @@
           </a:ln>
           <a:extLst>
             <a:ext uri="{C572A759-6A51-4108-AA02-DFA0A04FC94B}">
-              <ma14:wrappingTextBoxFlag xmlns:ma14="http://schemas.microsoft.com/office/mac/drawingml/2011/main" xmlns:a14="http://schemas.microsoft.com/office/drawing/2010/main" xmlns:m="http://schemas.openxmlformats.org/officeDocument/2006/math" xmlns="" val="1"/>
+              <ma14:wrappingTextBoxFlag xmlns="" xmlns:m="http://schemas.openxmlformats.org/officeDocument/2006/math" xmlns:a14="http://schemas.microsoft.com/office/drawing/2010/main" xmlns:ma14="http://schemas.microsoft.com/office/mac/drawingml/2011/main" val="1"/>
             </a:ext>
           </a:extLst>
         </p:spPr>
@@ -6862,7 +6862,7 @@
           </a:ln>
           <a:extLst>
             <a:ext uri="{C572A759-6A51-4108-AA02-DFA0A04FC94B}">
-              <ma14:wrappingTextBoxFlag xmlns:ma14="http://schemas.microsoft.com/office/mac/drawingml/2011/main" xmlns:a14="http://schemas.microsoft.com/office/drawing/2010/main" xmlns:m="http://schemas.openxmlformats.org/officeDocument/2006/math" xmlns="" val="1"/>
+              <ma14:wrappingTextBoxFlag xmlns="" xmlns:m="http://schemas.openxmlformats.org/officeDocument/2006/math" xmlns:a14="http://schemas.microsoft.com/office/drawing/2010/main" xmlns:ma14="http://schemas.microsoft.com/office/mac/drawingml/2011/main" val="1"/>
             </a:ext>
           </a:extLst>
         </p:spPr>
@@ -6960,7 +6960,7 @@
           </a:ln>
           <a:extLst>
             <a:ext uri="{C572A759-6A51-4108-AA02-DFA0A04FC94B}">
-              <ma14:wrappingTextBoxFlag xmlns:ma14="http://schemas.microsoft.com/office/mac/drawingml/2011/main" xmlns:a14="http://schemas.microsoft.com/office/drawing/2010/main" xmlns:m="http://schemas.openxmlformats.org/officeDocument/2006/math" xmlns="" val="1"/>
+              <ma14:wrappingTextBoxFlag xmlns="" xmlns:m="http://schemas.openxmlformats.org/officeDocument/2006/math" xmlns:a14="http://schemas.microsoft.com/office/drawing/2010/main" xmlns:ma14="http://schemas.microsoft.com/office/mac/drawingml/2011/main" val="1"/>
             </a:ext>
           </a:extLst>
         </p:spPr>
@@ -6999,7 +6999,7 @@
           </a:ln>
           <a:extLst>
             <a:ext uri="{C572A759-6A51-4108-AA02-DFA0A04FC94B}">
-              <ma14:wrappingTextBoxFlag xmlns:ma14="http://schemas.microsoft.com/office/mac/drawingml/2011/main" xmlns:a14="http://schemas.microsoft.com/office/drawing/2010/main" xmlns:m="http://schemas.openxmlformats.org/officeDocument/2006/math" xmlns="" val="1"/>
+              <ma14:wrappingTextBoxFlag xmlns="" xmlns:m="http://schemas.openxmlformats.org/officeDocument/2006/math" xmlns:a14="http://schemas.microsoft.com/office/drawing/2010/main" xmlns:ma14="http://schemas.microsoft.com/office/mac/drawingml/2011/main" val="1"/>
             </a:ext>
           </a:extLst>
         </p:spPr>
@@ -7038,7 +7038,7 @@
           </a:ln>
           <a:extLst>
             <a:ext uri="{C572A759-6A51-4108-AA02-DFA0A04FC94B}">
-              <ma14:wrappingTextBoxFlag xmlns:ma14="http://schemas.microsoft.com/office/mac/drawingml/2011/main" xmlns:a14="http://schemas.microsoft.com/office/drawing/2010/main" xmlns:m="http://schemas.openxmlformats.org/officeDocument/2006/math" xmlns="" val="1"/>
+              <ma14:wrappingTextBoxFlag xmlns="" xmlns:m="http://schemas.openxmlformats.org/officeDocument/2006/math" xmlns:a14="http://schemas.microsoft.com/office/drawing/2010/main" xmlns:ma14="http://schemas.microsoft.com/office/mac/drawingml/2011/main" val="1"/>
             </a:ext>
           </a:extLst>
         </p:spPr>
@@ -7117,12 +7117,41 @@
         </p:blipFill>
         <p:spPr>
           <a:xfrm>
-            <a:off x="16906405" y="6764241"/>
+            <a:off x="17894300" y="9067800"/>
             <a:ext cx="6489700" cy="4648200"/>
           </a:xfrm>
           <a:prstGeom prst="rect">
             <a:avLst/>
           </a:prstGeom>
+          <a:solidFill>
+            <a:srgbClr val="FFFFFF">
+              <a:shade val="85000"/>
+            </a:srgbClr>
+          </a:solidFill>
+          <a:ln w="190500" cap="rnd">
+            <a:solidFill>
+              <a:srgbClr val="FFFFFF"/>
+            </a:solidFill>
+          </a:ln>
+          <a:effectLst>
+            <a:outerShdw blurRad="50000" algn="tl" rotWithShape="0">
+              <a:srgbClr val="000000">
+                <a:alpha val="41000"/>
+              </a:srgbClr>
+            </a:outerShdw>
+          </a:effectLst>
+          <a:scene3d>
+            <a:camera prst="orthographicFront"/>
+            <a:lightRig rig="twoPt" dir="t">
+              <a:rot lat="0" lon="0" rev="7800000"/>
+            </a:lightRig>
+          </a:scene3d>
+          <a:sp3d contourW="6350">
+            <a:bevelT w="50800" h="16510"/>
+            <a:contourClr>
+              <a:srgbClr val="C0C0C0"/>
+            </a:contourClr>
+          </a:sp3d>
         </p:spPr>
       </p:pic>
       <p:pic>
@@ -7153,12 +7182,41 @@
         </p:blipFill>
         <p:spPr>
           <a:xfrm>
-            <a:off x="504561" y="457200"/>
+            <a:off x="259249" y="457198"/>
             <a:ext cx="3670300" cy="7952317"/>
           </a:xfrm>
           <a:prstGeom prst="rect">
             <a:avLst/>
           </a:prstGeom>
+          <a:solidFill>
+            <a:srgbClr val="FFFFFF">
+              <a:shade val="85000"/>
+            </a:srgbClr>
+          </a:solidFill>
+          <a:ln w="190500" cap="rnd">
+            <a:solidFill>
+              <a:srgbClr val="FFFFFF"/>
+            </a:solidFill>
+          </a:ln>
+          <a:effectLst>
+            <a:outerShdw blurRad="50000" algn="tl" rotWithShape="0">
+              <a:srgbClr val="000000">
+                <a:alpha val="41000"/>
+              </a:srgbClr>
+            </a:outerShdw>
+          </a:effectLst>
+          <a:scene3d>
+            <a:camera prst="orthographicFront"/>
+            <a:lightRig rig="twoPt" dir="t">
+              <a:rot lat="0" lon="0" rev="7800000"/>
+            </a:lightRig>
+          </a:scene3d>
+          <a:sp3d contourW="6350">
+            <a:bevelT w="50800" h="16510"/>
+            <a:contourClr>
+              <a:srgbClr val="C0C0C0"/>
+            </a:contourClr>
+          </a:sp3d>
         </p:spPr>
       </p:pic>
       <p:pic>
@@ -7189,14 +7247,667 @@
         </p:blipFill>
         <p:spPr>
           <a:xfrm>
-            <a:off x="4573895" y="457199"/>
+            <a:off x="4250820" y="472440"/>
             <a:ext cx="4559960" cy="7952317"/>
           </a:xfrm>
           <a:prstGeom prst="rect">
             <a:avLst/>
           </a:prstGeom>
+          <a:solidFill>
+            <a:srgbClr val="FFFFFF">
+              <a:shade val="85000"/>
+            </a:srgbClr>
+          </a:solidFill>
+          <a:ln w="190500" cap="rnd">
+            <a:solidFill>
+              <a:srgbClr val="FFFFFF"/>
+            </a:solidFill>
+          </a:ln>
+          <a:effectLst>
+            <a:outerShdw blurRad="50000" algn="tl" rotWithShape="0">
+              <a:srgbClr val="000000">
+                <a:alpha val="41000"/>
+              </a:srgbClr>
+            </a:outerShdw>
+          </a:effectLst>
+          <a:scene3d>
+            <a:camera prst="orthographicFront"/>
+            <a:lightRig rig="twoPt" dir="t">
+              <a:rot lat="0" lon="0" rev="7800000"/>
+            </a:lightRig>
+          </a:scene3d>
+          <a:sp3d contourW="6350">
+            <a:bevelT w="50800" h="16510"/>
+            <a:contourClr>
+              <a:srgbClr val="C0C0C0"/>
+            </a:contourClr>
+          </a:sp3d>
         </p:spPr>
       </p:pic>
+      <p:pic>
+        <p:nvPicPr>
+          <p:cNvPr id="3" name="Picture 2">
+            <a:extLst>
+              <a:ext uri="{FF2B5EF4-FFF2-40B4-BE49-F238E27FC236}">
+                <a16:creationId xmlns:a16="http://schemas.microsoft.com/office/drawing/2014/main" id="{2CC9FB2B-CF3F-C964-6256-9934D7793E56}"/>
+              </a:ext>
+            </a:extLst>
+          </p:cNvPr>
+          <p:cNvPicPr>
+            <a:picLocks noChangeAspect="1"/>
+          </p:cNvPicPr>
+          <p:nvPr/>
+        </p:nvPicPr>
+        <p:blipFill>
+          <a:blip r:embed="rId5"/>
+          <a:stretch>
+            <a:fillRect/>
+          </a:stretch>
+        </p:blipFill>
+        <p:spPr>
+          <a:xfrm>
+            <a:off x="14567601" y="457199"/>
+            <a:ext cx="5295900" cy="7734300"/>
+          </a:xfrm>
+          <a:prstGeom prst="rect">
+            <a:avLst/>
+          </a:prstGeom>
+          <a:solidFill>
+            <a:srgbClr val="FFFFFF">
+              <a:shade val="85000"/>
+            </a:srgbClr>
+          </a:solidFill>
+          <a:ln w="190500" cap="rnd">
+            <a:solidFill>
+              <a:srgbClr val="FFFFFF"/>
+            </a:solidFill>
+          </a:ln>
+          <a:effectLst>
+            <a:outerShdw blurRad="50000" algn="tl" rotWithShape="0">
+              <a:srgbClr val="000000">
+                <a:alpha val="41000"/>
+              </a:srgbClr>
+            </a:outerShdw>
+          </a:effectLst>
+          <a:scene3d>
+            <a:camera prst="orthographicFront"/>
+            <a:lightRig rig="twoPt" dir="t">
+              <a:rot lat="0" lon="0" rev="7800000"/>
+            </a:lightRig>
+          </a:scene3d>
+          <a:sp3d contourW="6350">
+            <a:bevelT w="50800" h="16510"/>
+            <a:contourClr>
+              <a:srgbClr val="C0C0C0"/>
+            </a:contourClr>
+          </a:sp3d>
+        </p:spPr>
+      </p:pic>
+      <p:pic>
+        <p:nvPicPr>
+          <p:cNvPr id="4" name="Picture 3">
+            <a:extLst>
+              <a:ext uri="{FF2B5EF4-FFF2-40B4-BE49-F238E27FC236}">
+                <a16:creationId xmlns:a16="http://schemas.microsoft.com/office/drawing/2014/main" id="{3BF066EB-E43E-1B74-7786-8E7941217B83}"/>
+              </a:ext>
+            </a:extLst>
+          </p:cNvPr>
+          <p:cNvPicPr>
+            <a:picLocks noChangeAspect="1"/>
+          </p:cNvPicPr>
+          <p:nvPr/>
+        </p:nvPicPr>
+        <p:blipFill>
+          <a:blip r:embed="rId6"/>
+          <a:srcRect t="10364"/>
+          <a:stretch>
+            <a:fillRect/>
+          </a:stretch>
+        </p:blipFill>
+        <p:spPr>
+          <a:xfrm>
+            <a:off x="9371351" y="420622"/>
+            <a:ext cx="4635678" cy="9015983"/>
+          </a:xfrm>
+          <a:prstGeom prst="rect">
+            <a:avLst/>
+          </a:prstGeom>
+          <a:solidFill>
+            <a:srgbClr val="FFFFFF">
+              <a:shade val="85000"/>
+            </a:srgbClr>
+          </a:solidFill>
+          <a:ln w="190500" cap="rnd">
+            <a:solidFill>
+              <a:srgbClr val="FFFFFF"/>
+            </a:solidFill>
+          </a:ln>
+          <a:effectLst>
+            <a:outerShdw blurRad="50000" algn="tl" rotWithShape="0">
+              <a:srgbClr val="000000">
+                <a:alpha val="41000"/>
+              </a:srgbClr>
+            </a:outerShdw>
+          </a:effectLst>
+          <a:scene3d>
+            <a:camera prst="orthographicFront"/>
+            <a:lightRig rig="twoPt" dir="t">
+              <a:rot lat="0" lon="0" rev="7800000"/>
+            </a:lightRig>
+          </a:scene3d>
+          <a:sp3d contourW="6350">
+            <a:bevelT w="50800" h="16510"/>
+            <a:contourClr>
+              <a:srgbClr val="C0C0C0"/>
+            </a:contourClr>
+          </a:sp3d>
+        </p:spPr>
+      </p:pic>
+      <p:sp>
+        <p:nvSpPr>
+          <p:cNvPr id="6" name="TextBox 5">
+            <a:extLst>
+              <a:ext uri="{FF2B5EF4-FFF2-40B4-BE49-F238E27FC236}">
+                <a16:creationId xmlns:a16="http://schemas.microsoft.com/office/drawing/2014/main" id="{3D6CA72E-D641-8C97-D14E-835DE0BF7746}"/>
+              </a:ext>
+            </a:extLst>
+          </p:cNvPr>
+          <p:cNvSpPr txBox="1"/>
+          <p:nvPr/>
+        </p:nvSpPr>
+        <p:spPr>
+          <a:xfrm>
+            <a:off x="259249" y="8424757"/>
+            <a:ext cx="3169920" cy="1344471"/>
+          </a:xfrm>
+          <a:prstGeom prst="rect">
+            <a:avLst/>
+          </a:prstGeom>
+          <a:noFill/>
+          <a:ln w="12700" cap="flat">
+            <a:noFill/>
+            <a:miter lim="400000"/>
+          </a:ln>
+          <a:effectLst/>
+          <a:sp3d/>
+        </p:spPr>
+        <p:style>
+          <a:lnRef idx="0">
+            <a:scrgbClr r="0" g="0" b="0"/>
+          </a:lnRef>
+          <a:fillRef idx="0">
+            <a:scrgbClr r="0" g="0" b="0"/>
+          </a:fillRef>
+          <a:effectRef idx="0">
+            <a:scrgbClr r="0" g="0" b="0"/>
+          </a:effectRef>
+          <a:fontRef idx="none"/>
+        </p:style>
+        <p:txBody>
+          <a:bodyPr rot="0" spcFirstLastPara="1" vertOverflow="overflow" horzOverflow="overflow" vert="horz" wrap="square" lIns="50800" tIns="50800" rIns="50800" bIns="50800" numCol="1" spcCol="38100" rtlCol="0" anchor="ctr">
+            <a:spAutoFit/>
+          </a:bodyPr>
+          <a:lstStyle/>
+          <a:p>
+            <a:pPr marL="0" marR="0" indent="0" algn="l" defTabSz="2438338" rtl="0" fontAlgn="auto" latinLnBrk="0" hangingPunct="0">
+              <a:lnSpc>
+                <a:spcPct val="90000"/>
+              </a:lnSpc>
+              <a:spcBef>
+                <a:spcPts val="4500"/>
+              </a:spcBef>
+              <a:spcAft>
+                <a:spcPts val="0"/>
+              </a:spcAft>
+              <a:buClrTx/>
+              <a:buSzTx/>
+              <a:buFontTx/>
+              <a:buNone/>
+              <a:tabLst/>
+            </a:pPr>
+            <a:r>
+              <a:rPr kumimoji="0" lang="en-US" sz="4800" b="0" i="0" u="none" strike="noStrike" cap="none" spc="0" normalizeH="0" baseline="0" dirty="0">
+                <a:ln>
+                  <a:noFill/>
+                </a:ln>
+                <a:solidFill>
+                  <a:srgbClr val="000000"/>
+                </a:solidFill>
+                <a:effectLst/>
+                <a:uFillTx/>
+                <a:latin typeface="+mn-lt"/>
+                <a:ea typeface="+mn-ea"/>
+                <a:cs typeface="+mn-cs"/>
+                <a:sym typeface="Helvetica Neue"/>
+              </a:rPr>
+              <a:t>Android</a:t>
+            </a:r>
+          </a:p>
+        </p:txBody>
+      </p:sp>
+      <p:sp>
+        <p:nvSpPr>
+          <p:cNvPr id="7" name="TextBox 6">
+            <a:extLst>
+              <a:ext uri="{FF2B5EF4-FFF2-40B4-BE49-F238E27FC236}">
+                <a16:creationId xmlns:a16="http://schemas.microsoft.com/office/drawing/2014/main" id="{B4013CAC-F4D0-9435-21CC-8064801FFA6F}"/>
+              </a:ext>
+            </a:extLst>
+          </p:cNvPr>
+          <p:cNvSpPr txBox="1"/>
+          <p:nvPr/>
+        </p:nvSpPr>
+        <p:spPr>
+          <a:xfrm>
+            <a:off x="4739620" y="8424757"/>
+            <a:ext cx="3169920" cy="1344471"/>
+          </a:xfrm>
+          <a:prstGeom prst="rect">
+            <a:avLst/>
+          </a:prstGeom>
+          <a:noFill/>
+          <a:ln w="12700" cap="flat">
+            <a:noFill/>
+            <a:miter lim="400000"/>
+          </a:ln>
+          <a:effectLst/>
+          <a:sp3d/>
+        </p:spPr>
+        <p:style>
+          <a:lnRef idx="0">
+            <a:scrgbClr r="0" g="0" b="0"/>
+          </a:lnRef>
+          <a:fillRef idx="0">
+            <a:scrgbClr r="0" g="0" b="0"/>
+          </a:fillRef>
+          <a:effectRef idx="0">
+            <a:scrgbClr r="0" g="0" b="0"/>
+          </a:effectRef>
+          <a:fontRef idx="none"/>
+        </p:style>
+        <p:txBody>
+          <a:bodyPr rot="0" spcFirstLastPara="1" vertOverflow="overflow" horzOverflow="overflow" vert="horz" wrap="square" lIns="50800" tIns="50800" rIns="50800" bIns="50800" numCol="1" spcCol="38100" rtlCol="0" anchor="ctr">
+            <a:spAutoFit/>
+          </a:bodyPr>
+          <a:lstStyle/>
+          <a:p>
+            <a:pPr marL="0" marR="0" indent="0" algn="l" defTabSz="2438338" rtl="0" fontAlgn="auto" latinLnBrk="0" hangingPunct="0">
+              <a:lnSpc>
+                <a:spcPct val="90000"/>
+              </a:lnSpc>
+              <a:spcBef>
+                <a:spcPts val="4500"/>
+              </a:spcBef>
+              <a:spcAft>
+                <a:spcPts val="0"/>
+              </a:spcAft>
+              <a:buClrTx/>
+              <a:buSzTx/>
+              <a:buFontTx/>
+              <a:buNone/>
+              <a:tabLst/>
+            </a:pPr>
+            <a:r>
+              <a:rPr lang="en-US" dirty="0"/>
+              <a:t>Windows</a:t>
+            </a:r>
+            <a:endParaRPr kumimoji="0" lang="en-US" sz="4800" b="0" i="0" u="none" strike="noStrike" cap="none" spc="0" normalizeH="0" baseline="0" dirty="0">
+              <a:ln>
+                <a:noFill/>
+              </a:ln>
+              <a:solidFill>
+                <a:srgbClr val="000000"/>
+              </a:solidFill>
+              <a:effectLst/>
+              <a:uFillTx/>
+              <a:latin typeface="+mn-lt"/>
+              <a:ea typeface="+mn-ea"/>
+              <a:cs typeface="+mn-cs"/>
+              <a:sym typeface="Helvetica Neue"/>
+            </a:endParaRPr>
+          </a:p>
+        </p:txBody>
+      </p:sp>
+      <p:sp>
+        <p:nvSpPr>
+          <p:cNvPr id="8" name="TextBox 7">
+            <a:extLst>
+              <a:ext uri="{FF2B5EF4-FFF2-40B4-BE49-F238E27FC236}">
+                <a16:creationId xmlns:a16="http://schemas.microsoft.com/office/drawing/2014/main" id="{A72DA5EF-43D2-F435-BD67-11EA2F9684F9}"/>
+              </a:ext>
+            </a:extLst>
+          </p:cNvPr>
+          <p:cNvSpPr txBox="1"/>
+          <p:nvPr/>
+        </p:nvSpPr>
+        <p:spPr>
+          <a:xfrm>
+            <a:off x="10662008" y="9301884"/>
+            <a:ext cx="1529992" cy="1344471"/>
+          </a:xfrm>
+          <a:prstGeom prst="rect">
+            <a:avLst/>
+          </a:prstGeom>
+          <a:noFill/>
+          <a:ln w="12700" cap="flat">
+            <a:noFill/>
+            <a:miter lim="400000"/>
+          </a:ln>
+          <a:effectLst/>
+          <a:sp3d/>
+        </p:spPr>
+        <p:style>
+          <a:lnRef idx="0">
+            <a:scrgbClr r="0" g="0" b="0"/>
+          </a:lnRef>
+          <a:fillRef idx="0">
+            <a:scrgbClr r="0" g="0" b="0"/>
+          </a:fillRef>
+          <a:effectRef idx="0">
+            <a:scrgbClr r="0" g="0" b="0"/>
+          </a:effectRef>
+          <a:fontRef idx="none"/>
+        </p:style>
+        <p:txBody>
+          <a:bodyPr rot="0" spcFirstLastPara="1" vertOverflow="overflow" horzOverflow="overflow" vert="horz" wrap="square" lIns="50800" tIns="50800" rIns="50800" bIns="50800" numCol="1" spcCol="38100" rtlCol="0" anchor="ctr">
+            <a:spAutoFit/>
+          </a:bodyPr>
+          <a:lstStyle/>
+          <a:p>
+            <a:pPr marL="0" marR="0" indent="0" algn="l" defTabSz="2438338" rtl="0" fontAlgn="auto" latinLnBrk="0" hangingPunct="0">
+              <a:lnSpc>
+                <a:spcPct val="90000"/>
+              </a:lnSpc>
+              <a:spcBef>
+                <a:spcPts val="4500"/>
+              </a:spcBef>
+              <a:spcAft>
+                <a:spcPts val="0"/>
+              </a:spcAft>
+              <a:buClrTx/>
+              <a:buSzTx/>
+              <a:buFontTx/>
+              <a:buNone/>
+              <a:tabLst/>
+            </a:pPr>
+            <a:r>
+              <a:rPr kumimoji="0" lang="en-US" sz="4800" b="0" i="0" u="none" strike="noStrike" cap="none" spc="0" normalizeH="0" baseline="0" dirty="0">
+                <a:ln>
+                  <a:noFill/>
+                </a:ln>
+                <a:solidFill>
+                  <a:srgbClr val="000000"/>
+                </a:solidFill>
+                <a:effectLst/>
+                <a:uFillTx/>
+                <a:latin typeface="+mn-lt"/>
+                <a:ea typeface="+mn-ea"/>
+                <a:cs typeface="+mn-cs"/>
+                <a:sym typeface="Helvetica Neue"/>
+              </a:rPr>
+              <a:t>IOS</a:t>
+            </a:r>
+          </a:p>
+        </p:txBody>
+      </p:sp>
+      <p:sp>
+        <p:nvSpPr>
+          <p:cNvPr id="10" name="TextBox 9">
+            <a:extLst>
+              <a:ext uri="{FF2B5EF4-FFF2-40B4-BE49-F238E27FC236}">
+                <a16:creationId xmlns:a16="http://schemas.microsoft.com/office/drawing/2014/main" id="{AF88EB61-C326-1B74-8803-313F9D8C659F}"/>
+              </a:ext>
+            </a:extLst>
+          </p:cNvPr>
+          <p:cNvSpPr txBox="1"/>
+          <p:nvPr/>
+        </p:nvSpPr>
+        <p:spPr>
+          <a:xfrm>
+            <a:off x="15636703" y="7811110"/>
+            <a:ext cx="3169920" cy="1344471"/>
+          </a:xfrm>
+          <a:prstGeom prst="rect">
+            <a:avLst/>
+          </a:prstGeom>
+          <a:noFill/>
+          <a:ln w="12700" cap="flat">
+            <a:noFill/>
+            <a:miter lim="400000"/>
+          </a:ln>
+          <a:effectLst/>
+          <a:sp3d/>
+        </p:spPr>
+        <p:style>
+          <a:lnRef idx="0">
+            <a:scrgbClr r="0" g="0" b="0"/>
+          </a:lnRef>
+          <a:fillRef idx="0">
+            <a:scrgbClr r="0" g="0" b="0"/>
+          </a:fillRef>
+          <a:effectRef idx="0">
+            <a:scrgbClr r="0" g="0" b="0"/>
+          </a:effectRef>
+          <a:fontRef idx="none"/>
+        </p:style>
+        <p:txBody>
+          <a:bodyPr rot="0" spcFirstLastPara="1" vertOverflow="overflow" horzOverflow="overflow" vert="horz" wrap="square" lIns="50800" tIns="50800" rIns="50800" bIns="50800" numCol="1" spcCol="38100" rtlCol="0" anchor="ctr">
+            <a:spAutoFit/>
+          </a:bodyPr>
+          <a:lstStyle/>
+          <a:p>
+            <a:pPr marL="0" marR="0" indent="0" algn="l" defTabSz="2438338" rtl="0" fontAlgn="auto" latinLnBrk="0" hangingPunct="0">
+              <a:lnSpc>
+                <a:spcPct val="90000"/>
+              </a:lnSpc>
+              <a:spcBef>
+                <a:spcPts val="4500"/>
+              </a:spcBef>
+              <a:spcAft>
+                <a:spcPts val="0"/>
+              </a:spcAft>
+              <a:buClrTx/>
+              <a:buSzTx/>
+              <a:buFontTx/>
+              <a:buNone/>
+              <a:tabLst/>
+            </a:pPr>
+            <a:r>
+              <a:rPr lang="en-US" dirty="0"/>
+              <a:t>MacOS</a:t>
+            </a:r>
+            <a:endParaRPr kumimoji="0" lang="en-US" sz="4800" b="0" i="0" u="none" strike="noStrike" cap="none" spc="0" normalizeH="0" baseline="0" dirty="0">
+              <a:ln>
+                <a:noFill/>
+              </a:ln>
+              <a:solidFill>
+                <a:srgbClr val="000000"/>
+              </a:solidFill>
+              <a:effectLst/>
+              <a:uFillTx/>
+              <a:latin typeface="+mn-lt"/>
+              <a:ea typeface="+mn-ea"/>
+              <a:cs typeface="+mn-cs"/>
+              <a:sym typeface="Helvetica Neue"/>
+            </a:endParaRPr>
+          </a:p>
+        </p:txBody>
+      </p:sp>
+      <p:sp>
+        <p:nvSpPr>
+          <p:cNvPr id="12" name="TextBox 11">
+            <a:extLst>
+              <a:ext uri="{FF2B5EF4-FFF2-40B4-BE49-F238E27FC236}">
+                <a16:creationId xmlns:a16="http://schemas.microsoft.com/office/drawing/2014/main" id="{E3A0F5A5-D9EF-E86F-57B2-80A4B320E752}"/>
+              </a:ext>
+            </a:extLst>
+          </p:cNvPr>
+          <p:cNvSpPr txBox="1"/>
+          <p:nvPr/>
+        </p:nvSpPr>
+        <p:spPr>
+          <a:xfrm>
+            <a:off x="15695877" y="12080530"/>
+            <a:ext cx="2139249" cy="1178271"/>
+          </a:xfrm>
+          <a:prstGeom prst="rect">
+            <a:avLst/>
+          </a:prstGeom>
+          <a:noFill/>
+          <a:ln w="12700" cap="flat">
+            <a:noFill/>
+            <a:miter lim="400000"/>
+          </a:ln>
+          <a:effectLst/>
+          <a:sp3d/>
+        </p:spPr>
+        <p:style>
+          <a:lnRef idx="0">
+            <a:scrgbClr r="0" g="0" b="0"/>
+          </a:lnRef>
+          <a:fillRef idx="0">
+            <a:scrgbClr r="0" g="0" b="0"/>
+          </a:fillRef>
+          <a:effectRef idx="0">
+            <a:scrgbClr r="0" g="0" b="0"/>
+          </a:effectRef>
+          <a:fontRef idx="none"/>
+        </p:style>
+        <p:txBody>
+          <a:bodyPr rot="0" spcFirstLastPara="1" vertOverflow="overflow" horzOverflow="overflow" vert="horz" wrap="square" lIns="50800" tIns="50800" rIns="50800" bIns="50800" numCol="1" spcCol="38100" rtlCol="0" anchor="ctr">
+            <a:spAutoFit/>
+          </a:bodyPr>
+          <a:lstStyle/>
+          <a:p>
+            <a:pPr marL="0" marR="0" indent="0" algn="l" defTabSz="2438338" rtl="0" fontAlgn="auto" latinLnBrk="0" hangingPunct="0">
+              <a:lnSpc>
+                <a:spcPct val="90000"/>
+              </a:lnSpc>
+              <a:spcBef>
+                <a:spcPts val="4500"/>
+              </a:spcBef>
+              <a:spcAft>
+                <a:spcPts val="0"/>
+              </a:spcAft>
+              <a:buClrTx/>
+              <a:buSzTx/>
+              <a:buFontTx/>
+              <a:buNone/>
+              <a:tabLst/>
+            </a:pPr>
+            <a:r>
+              <a:rPr lang="en-US" sz="3600" dirty="0"/>
+              <a:t>Settings</a:t>
+            </a:r>
+            <a:endParaRPr kumimoji="0" lang="en-US" sz="3600" b="0" i="0" u="none" strike="noStrike" cap="none" spc="0" normalizeH="0" baseline="0" dirty="0">
+              <a:ln>
+                <a:noFill/>
+              </a:ln>
+              <a:solidFill>
+                <a:srgbClr val="000000"/>
+              </a:solidFill>
+              <a:effectLst/>
+              <a:uFillTx/>
+              <a:latin typeface="+mn-lt"/>
+              <a:ea typeface="+mn-ea"/>
+              <a:cs typeface="+mn-cs"/>
+              <a:sym typeface="Helvetica Neue"/>
+            </a:endParaRPr>
+          </a:p>
+        </p:txBody>
+      </p:sp>
+      <p:sp>
+        <p:nvSpPr>
+          <p:cNvPr id="13" name="Line Callout 1 12">
+            <a:extLst>
+              <a:ext uri="{FF2B5EF4-FFF2-40B4-BE49-F238E27FC236}">
+                <a16:creationId xmlns:a16="http://schemas.microsoft.com/office/drawing/2014/main" id="{D1BE0252-2EC6-3C9A-BF04-E8B02931855A}"/>
+              </a:ext>
+            </a:extLst>
+          </p:cNvPr>
+          <p:cNvSpPr/>
+          <p:nvPr/>
+        </p:nvSpPr>
+        <p:spPr>
+          <a:xfrm>
+            <a:off x="20848319" y="2051247"/>
+            <a:ext cx="3276431" cy="1210588"/>
+          </a:xfrm>
+          <a:prstGeom prst="borderCallout1">
+            <a:avLst>
+              <a:gd name="adj1" fmla="val 18750"/>
+              <a:gd name="adj2" fmla="val -8333"/>
+              <a:gd name="adj3" fmla="val -23460"/>
+              <a:gd name="adj4" fmla="val -36100"/>
+            </a:avLst>
+          </a:prstGeom>
+          <a:ln/>
+        </p:spPr>
+        <p:style>
+          <a:lnRef idx="2">
+            <a:schemeClr val="accent1"/>
+          </a:lnRef>
+          <a:fillRef idx="1">
+            <a:schemeClr val="lt1"/>
+          </a:fillRef>
+          <a:effectRef idx="0">
+            <a:schemeClr val="accent1"/>
+          </a:effectRef>
+          <a:fontRef idx="minor">
+            <a:schemeClr val="dk1"/>
+          </a:fontRef>
+        </p:style>
+        <p:txBody>
+          <a:bodyPr rot="0" spcFirstLastPara="1" vertOverflow="overflow" horzOverflow="overflow" vert="horz" wrap="square" lIns="50800" tIns="50800" rIns="50800" bIns="50800" numCol="1" spcCol="38100" rtlCol="0" anchor="ctr">
+            <a:spAutoFit/>
+          </a:bodyPr>
+          <a:lstStyle/>
+          <a:p>
+            <a:pPr marL="0" marR="0" indent="0" algn="ctr" defTabSz="825500" rtl="0" fontAlgn="auto" latinLnBrk="0" hangingPunct="0">
+              <a:lnSpc>
+                <a:spcPct val="100000"/>
+              </a:lnSpc>
+              <a:spcBef>
+                <a:spcPts val="0"/>
+              </a:spcBef>
+              <a:spcAft>
+                <a:spcPts val="0"/>
+              </a:spcAft>
+              <a:buClrTx/>
+              <a:buSzTx/>
+              <a:buFontTx/>
+              <a:buNone/>
+              <a:tabLst/>
+            </a:pPr>
+            <a:r>
+              <a:rPr lang="en-US" sz="3600" dirty="0">
+                <a:solidFill>
+                  <a:schemeClr val="tx1"/>
+                </a:solidFill>
+                <a:latin typeface="Helvetica Neue Medium"/>
+                <a:ea typeface="Helvetica Neue Medium"/>
+                <a:cs typeface="Helvetica Neue Medium"/>
+                <a:sym typeface="Helvetica Neue Medium"/>
+              </a:rPr>
+              <a:t>Connect to OpenAI</a:t>
+            </a:r>
+            <a:endParaRPr kumimoji="0" lang="en-US" sz="3600" b="0" i="0" u="none" strike="noStrike" cap="none" spc="0" normalizeH="0" baseline="0" dirty="0">
+              <a:ln>
+                <a:noFill/>
+              </a:ln>
+              <a:solidFill>
+                <a:schemeClr val="tx1"/>
+              </a:solidFill>
+              <a:effectLst/>
+              <a:uFillTx/>
+              <a:latin typeface="Helvetica Neue Medium"/>
+              <a:ea typeface="Helvetica Neue Medium"/>
+              <a:cs typeface="Helvetica Neue Medium"/>
+              <a:sym typeface="Helvetica Neue Medium"/>
+            </a:endParaRPr>
+          </a:p>
+        </p:txBody>
+      </p:sp>
     </p:spTree>
     <p:extLst>
       <p:ext uri="{BB962C8B-B14F-4D97-AF65-F5344CB8AC3E}">
